--- a/我的燈需要油.pptx
+++ b/我的燈需要油.pptx
@@ -5,8 +5,11 @@
     <p:sldMasterId id="2147483684" r:id="rId1"/>
   </p:sldMasterIdLst>
   <p:sldIdLst>
-    <p:sldId id="256" r:id="rId2"/>
-    <p:sldId id="257" r:id="rId3"/>
+    <p:sldId id="258" r:id="rId2"/>
+    <p:sldId id="259" r:id="rId3"/>
+    <p:sldId id="260" r:id="rId4"/>
+    <p:sldId id="261" r:id="rId5"/>
+    <p:sldId id="262" r:id="rId6"/>
   </p:sldIdLst>
   <p:sldSz cx="12192000" cy="6858000"/>
   <p:notesSz cx="6858000" cy="9144000"/>
@@ -305,7 +308,7 @@
           <a:p>
             <a:fld id="{54891753-9B25-4CAE-B4DE-BD428012F6BC}" type="datetimeFigureOut">
               <a:rPr lang="zh-TW" altLang="en-US" smtClean="0"/>
-              <a:t>2019/11/2</a:t>
+              <a:t>2021/1/29</a:t>
             </a:fld>
             <a:endParaRPr lang="zh-TW" altLang="en-US"/>
           </a:p>
@@ -475,7 +478,7 @@
           <a:p>
             <a:fld id="{54891753-9B25-4CAE-B4DE-BD428012F6BC}" type="datetimeFigureOut">
               <a:rPr lang="zh-TW" altLang="en-US" smtClean="0"/>
-              <a:t>2019/11/2</a:t>
+              <a:t>2021/1/29</a:t>
             </a:fld>
             <a:endParaRPr lang="zh-TW" altLang="en-US"/>
           </a:p>
@@ -655,7 +658,7 @@
           <a:p>
             <a:fld id="{54891753-9B25-4CAE-B4DE-BD428012F6BC}" type="datetimeFigureOut">
               <a:rPr lang="zh-TW" altLang="en-US" smtClean="0"/>
-              <a:t>2019/11/2</a:t>
+              <a:t>2021/1/29</a:t>
             </a:fld>
             <a:endParaRPr lang="zh-TW" altLang="en-US"/>
           </a:p>
@@ -825,7 +828,7 @@
           <a:p>
             <a:fld id="{54891753-9B25-4CAE-B4DE-BD428012F6BC}" type="datetimeFigureOut">
               <a:rPr lang="zh-TW" altLang="en-US" smtClean="0"/>
-              <a:t>2019/11/2</a:t>
+              <a:t>2021/1/29</a:t>
             </a:fld>
             <a:endParaRPr lang="zh-TW" altLang="en-US"/>
           </a:p>
@@ -1071,7 +1074,7 @@
           <a:p>
             <a:fld id="{54891753-9B25-4CAE-B4DE-BD428012F6BC}" type="datetimeFigureOut">
               <a:rPr lang="zh-TW" altLang="en-US" smtClean="0"/>
-              <a:t>2019/11/2</a:t>
+              <a:t>2021/1/29</a:t>
             </a:fld>
             <a:endParaRPr lang="zh-TW" altLang="en-US"/>
           </a:p>
@@ -1359,7 +1362,7 @@
           <a:p>
             <a:fld id="{54891753-9B25-4CAE-B4DE-BD428012F6BC}" type="datetimeFigureOut">
               <a:rPr lang="zh-TW" altLang="en-US" smtClean="0"/>
-              <a:t>2019/11/2</a:t>
+              <a:t>2021/1/29</a:t>
             </a:fld>
             <a:endParaRPr lang="zh-TW" altLang="en-US"/>
           </a:p>
@@ -1781,7 +1784,7 @@
           <a:p>
             <a:fld id="{54891753-9B25-4CAE-B4DE-BD428012F6BC}" type="datetimeFigureOut">
               <a:rPr lang="zh-TW" altLang="en-US" smtClean="0"/>
-              <a:t>2019/11/2</a:t>
+              <a:t>2021/1/29</a:t>
             </a:fld>
             <a:endParaRPr lang="zh-TW" altLang="en-US"/>
           </a:p>
@@ -1899,7 +1902,7 @@
           <a:p>
             <a:fld id="{54891753-9B25-4CAE-B4DE-BD428012F6BC}" type="datetimeFigureOut">
               <a:rPr lang="zh-TW" altLang="en-US" smtClean="0"/>
-              <a:t>2019/11/2</a:t>
+              <a:t>2021/1/29</a:t>
             </a:fld>
             <a:endParaRPr lang="zh-TW" altLang="en-US"/>
           </a:p>
@@ -1994,7 +1997,7 @@
           <a:p>
             <a:fld id="{54891753-9B25-4CAE-B4DE-BD428012F6BC}" type="datetimeFigureOut">
               <a:rPr lang="zh-TW" altLang="en-US" smtClean="0"/>
-              <a:t>2019/11/2</a:t>
+              <a:t>2021/1/29</a:t>
             </a:fld>
             <a:endParaRPr lang="zh-TW" altLang="en-US"/>
           </a:p>
@@ -2271,7 +2274,7 @@
           <a:p>
             <a:fld id="{54891753-9B25-4CAE-B4DE-BD428012F6BC}" type="datetimeFigureOut">
               <a:rPr lang="zh-TW" altLang="en-US" smtClean="0"/>
-              <a:t>2019/11/2</a:t>
+              <a:t>2021/1/29</a:t>
             </a:fld>
             <a:endParaRPr lang="zh-TW" altLang="en-US"/>
           </a:p>
@@ -2528,7 +2531,7 @@
           <a:p>
             <a:fld id="{54891753-9B25-4CAE-B4DE-BD428012F6BC}" type="datetimeFigureOut">
               <a:rPr lang="zh-TW" altLang="en-US" smtClean="0"/>
-              <a:t>2019/11/2</a:t>
+              <a:t>2021/1/29</a:t>
             </a:fld>
             <a:endParaRPr lang="zh-TW" altLang="en-US"/>
           </a:p>
@@ -2746,7 +2749,7 @@
           <a:p>
             <a:fld id="{54891753-9B25-4CAE-B4DE-BD428012F6BC}" type="datetimeFigureOut">
               <a:rPr lang="zh-TW" altLang="en-US" smtClean="0"/>
-              <a:t>2019/11/2</a:t>
+              <a:t>2021/1/29</a:t>
             </a:fld>
             <a:endParaRPr lang="zh-TW" altLang="en-US"/>
           </a:p>
@@ -3131,41 +3134,10 @@
             <p:ph type="title"/>
           </p:nvPr>
         </p:nvSpPr>
-        <p:spPr/>
-        <p:txBody>
-          <a:bodyPr>
-            <a:normAutofit/>
-          </a:bodyPr>
-          <a:lstStyle/>
-          <a:p>
-            <a:r>
-              <a:rPr lang="zh-TW" altLang="en-US" sz="4800" b="1" dirty="0" smtClean="0">
-                <a:latin typeface="Microsoft JhengHei" panose="020B0604030504040204" pitchFamily="34" charset="-120"/>
-                <a:ea typeface="Microsoft JhengHei" panose="020B0604030504040204" pitchFamily="34" charset="-120"/>
-              </a:rPr>
-              <a:t>我的燈需要油</a:t>
-            </a:r>
-            <a:endParaRPr lang="zh-TW" altLang="en-US" sz="4800" b="1" dirty="0">
-              <a:latin typeface="Microsoft JhengHei" panose="020B0604030504040204" pitchFamily="34" charset="-120"/>
-              <a:ea typeface="Microsoft JhengHei" panose="020B0604030504040204" pitchFamily="34" charset="-120"/>
-            </a:endParaRPr>
-          </a:p>
-        </p:txBody>
-      </p:sp>
-      <p:sp>
-        <p:nvSpPr>
-          <p:cNvPr id="5" name="內容版面配置區 4"/>
-          <p:cNvSpPr>
-            <a:spLocks noGrp="1"/>
-          </p:cNvSpPr>
-          <p:nvPr>
-            <p:ph idx="1"/>
-          </p:nvPr>
-        </p:nvSpPr>
         <p:spPr>
           <a:xfrm>
-            <a:off x="1524000" y="1600201"/>
-            <a:ext cx="9144000" cy="4525963"/>
+            <a:off x="0" y="2857513"/>
+            <a:ext cx="12192000" cy="1143000"/>
           </a:xfrm>
         </p:spPr>
         <p:txBody>
@@ -3174,149 +3146,49 @@
           </a:bodyPr>
           <a:lstStyle/>
           <a:p>
-            <a:pPr algn="ctr">
-              <a:buNone/>
-            </a:pPr>
-            <a:r>
-              <a:rPr lang="zh-TW" altLang="en-US" sz="5400" b="1" dirty="0">
-                <a:latin typeface="Microsoft JhengHei" panose="020B0604030504040204" pitchFamily="34" charset="-120"/>
-                <a:ea typeface="Microsoft JhengHei" panose="020B0604030504040204" pitchFamily="34" charset="-120"/>
-              </a:rPr>
-              <a:t>我的燈需要</a:t>
-            </a:r>
-            <a:r>
-              <a:rPr lang="zh-TW" altLang="en-US" sz="5400" b="1" dirty="0">
-                <a:latin typeface="Microsoft JhengHei" panose="020B0604030504040204" pitchFamily="34" charset="-120"/>
-                <a:ea typeface="Microsoft JhengHei" panose="020B0604030504040204" pitchFamily="34" charset="-120"/>
-              </a:rPr>
-              <a:t>油  求</a:t>
-            </a:r>
-            <a:r>
-              <a:rPr lang="zh-TW" altLang="en-US" sz="5400" b="1" dirty="0">
-                <a:latin typeface="Microsoft JhengHei" panose="020B0604030504040204" pitchFamily="34" charset="-120"/>
-                <a:ea typeface="Microsoft JhengHei" panose="020B0604030504040204" pitchFamily="34" charset="-120"/>
-              </a:rPr>
-              <a:t>主常賜</a:t>
-            </a:r>
-            <a:r>
-              <a:rPr lang="zh-TW" altLang="en-US" sz="5400" b="1" dirty="0">
-                <a:latin typeface="Microsoft JhengHei" panose="020B0604030504040204" pitchFamily="34" charset="-120"/>
-                <a:ea typeface="Microsoft JhengHei" panose="020B0604030504040204" pitchFamily="34" charset="-120"/>
-              </a:rPr>
-              <a:t>下</a:t>
-            </a:r>
-            <a:endParaRPr lang="en-US" altLang="zh-TW" sz="5400" b="1" dirty="0">
-              <a:latin typeface="Microsoft JhengHei" panose="020B0604030504040204" pitchFamily="34" charset="-120"/>
-              <a:ea typeface="Microsoft JhengHei" panose="020B0604030504040204" pitchFamily="34" charset="-120"/>
-            </a:endParaRPr>
-          </a:p>
-          <a:p>
-            <a:pPr algn="ctr">
-              <a:buNone/>
-            </a:pPr>
-            <a:r>
-              <a:rPr lang="zh-TW" altLang="en-US" sz="5400" b="1" dirty="0">
-                <a:latin typeface="Microsoft JhengHei" panose="020B0604030504040204" pitchFamily="34" charset="-120"/>
-                <a:ea typeface="Microsoft JhengHei" panose="020B0604030504040204" pitchFamily="34" charset="-120"/>
-              </a:rPr>
-              <a:t>使</a:t>
-            </a:r>
-            <a:r>
-              <a:rPr lang="zh-TW" altLang="en-US" sz="5400" b="1" dirty="0">
-                <a:latin typeface="Microsoft JhengHei" panose="020B0604030504040204" pitchFamily="34" charset="-120"/>
-                <a:ea typeface="Microsoft JhengHei" panose="020B0604030504040204" pitchFamily="34" charset="-120"/>
-              </a:rPr>
-              <a:t>我燈永遠發</a:t>
-            </a:r>
-            <a:r>
-              <a:rPr lang="zh-TW" altLang="en-US" sz="5400" b="1" dirty="0">
-                <a:latin typeface="Microsoft JhengHei" panose="020B0604030504040204" pitchFamily="34" charset="-120"/>
-                <a:ea typeface="Microsoft JhengHei" panose="020B0604030504040204" pitchFamily="34" charset="-120"/>
-              </a:rPr>
-              <a:t>亮光</a:t>
-            </a:r>
-            <a:endParaRPr lang="en-US" altLang="zh-TW" sz="5400" b="1" dirty="0">
-              <a:latin typeface="Microsoft JhengHei" panose="020B0604030504040204" pitchFamily="34" charset="-120"/>
-              <a:ea typeface="Microsoft JhengHei" panose="020B0604030504040204" pitchFamily="34" charset="-120"/>
-            </a:endParaRPr>
-          </a:p>
-          <a:p>
-            <a:pPr algn="ctr">
-              <a:buNone/>
-            </a:pPr>
-            <a:r>
-              <a:rPr lang="zh-TW" altLang="en-US" sz="5400" b="1" dirty="0">
-                <a:latin typeface="Microsoft JhengHei" panose="020B0604030504040204" pitchFamily="34" charset="-120"/>
-                <a:ea typeface="Microsoft JhengHei" panose="020B0604030504040204" pitchFamily="34" charset="-120"/>
+            <a:r>
+              <a:rPr lang="zh-TW" altLang="en-US" sz="7200" b="1" i="1" dirty="0">
+                <a:solidFill>
+                  <a:srgbClr val="000066"/>
+                </a:solidFill>
+                <a:effectLst>
+                  <a:outerShdw blurRad="38100" dist="38100" dir="2700000" algn="tl">
+                    <a:srgbClr val="000000">
+                      <a:alpha val="43137"/>
+                    </a:srgbClr>
+                  </a:outerShdw>
+                </a:effectLst>
+                <a:latin typeface="微軟正黑體" pitchFamily="34" charset="-120"/>
+                <a:ea typeface="微軟正黑體" pitchFamily="34" charset="-120"/>
               </a:rPr>
               <a:t>我</a:t>
             </a:r>
             <a:r>
-              <a:rPr lang="zh-TW" altLang="en-US" sz="5400" b="1" dirty="0">
-                <a:latin typeface="Microsoft JhengHei" panose="020B0604030504040204" pitchFamily="34" charset="-120"/>
-                <a:ea typeface="Microsoft JhengHei" panose="020B0604030504040204" pitchFamily="34" charset="-120"/>
+              <a:rPr lang="zh-TW" altLang="en-US" sz="7200" b="1" i="1" dirty="0">
+                <a:solidFill>
+                  <a:srgbClr val="000066"/>
+                </a:solidFill>
+                <a:effectLst>
+                  <a:outerShdw blurRad="38100" dist="38100" dir="2700000" algn="tl">
+                    <a:srgbClr val="000000">
+                      <a:alpha val="43137"/>
+                    </a:srgbClr>
+                  </a:outerShdw>
+                </a:effectLst>
+                <a:latin typeface="微軟正黑體" pitchFamily="34" charset="-120"/>
+                <a:ea typeface="微軟正黑體" pitchFamily="34" charset="-120"/>
               </a:rPr>
-              <a:t>的燈需要</a:t>
-            </a:r>
-            <a:r>
-              <a:rPr lang="zh-TW" altLang="en-US" sz="5400" b="1" dirty="0">
-                <a:latin typeface="Microsoft JhengHei" panose="020B0604030504040204" pitchFamily="34" charset="-120"/>
-                <a:ea typeface="Microsoft JhengHei" panose="020B0604030504040204" pitchFamily="34" charset="-120"/>
-              </a:rPr>
-              <a:t>油  求</a:t>
-            </a:r>
-            <a:r>
-              <a:rPr lang="zh-TW" altLang="en-US" sz="5400" b="1" dirty="0">
-                <a:latin typeface="Microsoft JhengHei" panose="020B0604030504040204" pitchFamily="34" charset="-120"/>
-                <a:ea typeface="Microsoft JhengHei" panose="020B0604030504040204" pitchFamily="34" charset="-120"/>
-              </a:rPr>
-              <a:t>主常賜</a:t>
-            </a:r>
-            <a:r>
-              <a:rPr lang="zh-TW" altLang="en-US" sz="5400" b="1" dirty="0">
-                <a:latin typeface="Microsoft JhengHei" panose="020B0604030504040204" pitchFamily="34" charset="-120"/>
-                <a:ea typeface="Microsoft JhengHei" panose="020B0604030504040204" pitchFamily="34" charset="-120"/>
-              </a:rPr>
-              <a:t>下</a:t>
-            </a:r>
-            <a:endParaRPr lang="en-US" altLang="zh-TW" sz="5400" b="1" dirty="0">
-              <a:latin typeface="Microsoft JhengHei" panose="020B0604030504040204" pitchFamily="34" charset="-120"/>
-              <a:ea typeface="Microsoft JhengHei" panose="020B0604030504040204" pitchFamily="34" charset="-120"/>
-            </a:endParaRPr>
-          </a:p>
-          <a:p>
-            <a:pPr algn="ctr">
-              <a:buNone/>
-            </a:pPr>
-            <a:r>
-              <a:rPr lang="zh-TW" altLang="en-US" sz="5400" b="1" dirty="0">
-                <a:latin typeface="Microsoft JhengHei" panose="020B0604030504040204" pitchFamily="34" charset="-120"/>
-                <a:ea typeface="Microsoft JhengHei" panose="020B0604030504040204" pitchFamily="34" charset="-120"/>
-              </a:rPr>
-              <a:t>使</a:t>
-            </a:r>
-            <a:r>
-              <a:rPr lang="zh-TW" altLang="en-US" sz="5400" b="1" dirty="0">
-                <a:latin typeface="Microsoft JhengHei" panose="020B0604030504040204" pitchFamily="34" charset="-120"/>
-                <a:ea typeface="Microsoft JhengHei" panose="020B0604030504040204" pitchFamily="34" charset="-120"/>
-              </a:rPr>
-              <a:t>我燈發光到主作</a:t>
-            </a:r>
-            <a:r>
-              <a:rPr lang="zh-TW" altLang="en-US" sz="5400" b="1" dirty="0">
-                <a:latin typeface="Microsoft JhengHei" panose="020B0604030504040204" pitchFamily="34" charset="-120"/>
-                <a:ea typeface="Microsoft JhengHei" panose="020B0604030504040204" pitchFamily="34" charset="-120"/>
-              </a:rPr>
-              <a:t>王</a:t>
-            </a:r>
-            <a:endParaRPr lang="zh-TW" altLang="en-US" sz="5400" b="1" dirty="0">
-              <a:latin typeface="Microsoft JhengHei" panose="020B0604030504040204" pitchFamily="34" charset="-120"/>
-              <a:ea typeface="Microsoft JhengHei" panose="020B0604030504040204" pitchFamily="34" charset="-120"/>
-            </a:endParaRPr>
+              <a:t>的燈需要油</a:t>
+            </a:r>
           </a:p>
         </p:txBody>
       </p:sp>
     </p:spTree>
+    <p:extLst>
+      <p:ext uri="{BB962C8B-B14F-4D97-AF65-F5344CB8AC3E}">
+        <p14:creationId xmlns:p14="http://schemas.microsoft.com/office/powerpoint/2010/main" val="136976281"/>
+      </p:ext>
+    </p:extLst>
   </p:cSld>
   <p:clrMapOvr>
     <a:masterClrMapping/>
@@ -3343,84 +3215,140 @@
       </p:grpSpPr>
       <p:sp>
         <p:nvSpPr>
-          <p:cNvPr id="4" name="標題 3"/>
-          <p:cNvSpPr>
-            <a:spLocks noGrp="1"/>
-          </p:cNvSpPr>
-          <p:nvPr>
-            <p:ph type="title"/>
-          </p:nvPr>
-        </p:nvSpPr>
-        <p:spPr/>
-        <p:txBody>
-          <a:bodyPr>
-            <a:normAutofit/>
+          <p:cNvPr id="5" name="內容版面配置區 4"/>
+          <p:cNvSpPr>
+            <a:spLocks noGrp="1"/>
+          </p:cNvSpPr>
+          <p:nvPr>
+            <p:ph idx="1"/>
+          </p:nvPr>
+        </p:nvSpPr>
+        <p:spPr>
+          <a:xfrm>
+            <a:off x="0" y="2084853"/>
+            <a:ext cx="12192000" cy="2404863"/>
+          </a:xfrm>
+        </p:spPr>
+        <p:txBody>
+          <a:bodyPr anchor="ctr">
+            <a:noAutofit/>
           </a:bodyPr>
           <a:lstStyle/>
           <a:p>
-            <a:r>
-              <a:rPr lang="zh-TW" altLang="en-US" sz="4800" b="1" dirty="0">
+            <a:pPr algn="ctr">
+              <a:buNone/>
+            </a:pPr>
+            <a:r>
+              <a:rPr lang="zh-TW" altLang="en-US" sz="6400" b="1" dirty="0">
+                <a:solidFill>
+                  <a:srgbClr val="000066"/>
+                </a:solidFill>
                 <a:latin typeface="Microsoft JhengHei" panose="020B0604030504040204" pitchFamily="34" charset="-120"/>
                 <a:ea typeface="Microsoft JhengHei" panose="020B0604030504040204" pitchFamily="34" charset="-120"/>
               </a:rPr>
-              <a:t>我的燈需要油</a:t>
-            </a:r>
-            <a:endParaRPr lang="zh-TW" altLang="en-US" sz="4800" b="1" dirty="0">
+              <a:t>我的燈需要油  求主常賜下</a:t>
+            </a:r>
+            <a:endParaRPr lang="en-US" altLang="zh-TW" sz="6400" b="1" dirty="0">
+              <a:solidFill>
+                <a:srgbClr val="000066"/>
+              </a:solidFill>
               <a:latin typeface="Microsoft JhengHei" panose="020B0604030504040204" pitchFamily="34" charset="-120"/>
               <a:ea typeface="Microsoft JhengHei" panose="020B0604030504040204" pitchFamily="34" charset="-120"/>
             </a:endParaRPr>
           </a:p>
-        </p:txBody>
-      </p:sp>
-      <p:sp>
-        <p:nvSpPr>
-          <p:cNvPr id="5" name="內容版面配置區 4"/>
-          <p:cNvSpPr>
-            <a:spLocks noGrp="1"/>
-          </p:cNvSpPr>
-          <p:nvPr>
-            <p:ph idx="1"/>
-          </p:nvPr>
-        </p:nvSpPr>
-        <p:spPr>
-          <a:xfrm>
-            <a:off x="1524000" y="1600201"/>
-            <a:ext cx="9144000" cy="4525963"/>
-          </a:xfrm>
-        </p:spPr>
-        <p:txBody>
-          <a:bodyPr>
-            <a:noAutofit/>
-          </a:bodyPr>
-          <a:lstStyle/>
           <a:p>
             <a:pPr algn="ctr">
               <a:buNone/>
             </a:pPr>
             <a:r>
-              <a:rPr lang="zh-TW" altLang="en-US" sz="5400" b="1" dirty="0">
+              <a:rPr lang="zh-TW" altLang="en-US" sz="6400" b="1" dirty="0">
+                <a:solidFill>
+                  <a:srgbClr val="000066"/>
+                </a:solidFill>
                 <a:latin typeface="Microsoft JhengHei" panose="020B0604030504040204" pitchFamily="34" charset="-120"/>
                 <a:ea typeface="Microsoft JhengHei" panose="020B0604030504040204" pitchFamily="34" charset="-120"/>
               </a:rPr>
-              <a:t>唱和撒那  唱和撒那</a:t>
-            </a:r>
-            <a:endParaRPr lang="en-US" altLang="zh-TW" sz="5400" b="1" dirty="0">
+              <a:t>使我燈永遠發亮光</a:t>
+            </a:r>
+            <a:endParaRPr lang="en-US" altLang="zh-TW" sz="6400" b="1" dirty="0">
+              <a:solidFill>
+                <a:srgbClr val="000066"/>
+              </a:solidFill>
               <a:latin typeface="Microsoft JhengHei" panose="020B0604030504040204" pitchFamily="34" charset="-120"/>
               <a:ea typeface="Microsoft JhengHei" panose="020B0604030504040204" pitchFamily="34" charset="-120"/>
             </a:endParaRPr>
           </a:p>
+        </p:txBody>
+      </p:sp>
+    </p:spTree>
+    <p:extLst>
+      <p:ext uri="{BB962C8B-B14F-4D97-AF65-F5344CB8AC3E}">
+        <p14:creationId xmlns:p14="http://schemas.microsoft.com/office/powerpoint/2010/main" val="195433874"/>
+      </p:ext>
+    </p:extLst>
+  </p:cSld>
+  <p:clrMapOvr>
+    <a:masterClrMapping/>
+  </p:clrMapOvr>
+</p:sld>
+</file>
+
+<file path=ppt/slides/slide3.xml><?xml version="1.0" encoding="utf-8"?>
+<p:sld xmlns:a="http://schemas.openxmlformats.org/drawingml/2006/main" xmlns:r="http://schemas.openxmlformats.org/officeDocument/2006/relationships" xmlns:p="http://schemas.openxmlformats.org/presentationml/2006/main">
+  <p:cSld>
+    <p:spTree>
+      <p:nvGrpSpPr>
+        <p:cNvPr id="1" name=""/>
+        <p:cNvGrpSpPr/>
+        <p:nvPr/>
+      </p:nvGrpSpPr>
+      <p:grpSpPr>
+        <a:xfrm>
+          <a:off x="0" y="0"/>
+          <a:ext cx="0" cy="0"/>
+          <a:chOff x="0" y="0"/>
+          <a:chExt cx="0" cy="0"/>
+        </a:xfrm>
+      </p:grpSpPr>
+      <p:sp>
+        <p:nvSpPr>
+          <p:cNvPr id="5" name="內容版面配置區 4"/>
+          <p:cNvSpPr>
+            <a:spLocks noGrp="1"/>
+          </p:cNvSpPr>
+          <p:nvPr>
+            <p:ph idx="1"/>
+          </p:nvPr>
+        </p:nvSpPr>
+        <p:spPr>
+          <a:xfrm>
+            <a:off x="0" y="2084853"/>
+            <a:ext cx="12192000" cy="2404863"/>
+          </a:xfrm>
+        </p:spPr>
+        <p:txBody>
+          <a:bodyPr anchor="ctr">
+            <a:noAutofit/>
+          </a:bodyPr>
+          <a:lstStyle/>
           <a:p>
             <a:pPr algn="ctr">
               <a:buNone/>
             </a:pPr>
             <a:r>
-              <a:rPr lang="zh-TW" altLang="en-US" sz="5400" b="1" dirty="0">
+              <a:rPr lang="zh-TW" altLang="en-US" sz="6400" b="1" dirty="0">
+                <a:solidFill>
+                  <a:srgbClr val="000066"/>
+                </a:solidFill>
                 <a:latin typeface="Microsoft JhengHei" panose="020B0604030504040204" pitchFamily="34" charset="-120"/>
                 <a:ea typeface="Microsoft JhengHei" panose="020B0604030504040204" pitchFamily="34" charset="-120"/>
               </a:rPr>
-              <a:t>唱和撒那  賀萬王之王</a:t>
-            </a:r>
-            <a:endParaRPr lang="en-US" altLang="zh-TW" sz="5400" b="1" dirty="0">
+              <a:t>我的燈需要油  求主常賜下</a:t>
+            </a:r>
+            <a:endParaRPr lang="en-US" altLang="zh-TW" sz="6400" b="1" dirty="0">
+              <a:solidFill>
+                <a:srgbClr val="000066"/>
+              </a:solidFill>
               <a:latin typeface="Microsoft JhengHei" panose="020B0604030504040204" pitchFamily="34" charset="-120"/>
               <a:ea typeface="Microsoft JhengHei" panose="020B0604030504040204" pitchFamily="34" charset="-120"/>
             </a:endParaRPr>
@@ -3430,32 +3358,345 @@
               <a:buNone/>
             </a:pPr>
             <a:r>
-              <a:rPr lang="zh-TW" altLang="en-US" sz="5400" b="1" dirty="0">
+              <a:rPr lang="zh-TW" altLang="en-US" sz="6400" b="1" dirty="0">
+                <a:solidFill>
+                  <a:srgbClr val="000066"/>
+                </a:solidFill>
                 <a:latin typeface="Microsoft JhengHei" panose="020B0604030504040204" pitchFamily="34" charset="-120"/>
                 <a:ea typeface="Microsoft JhengHei" panose="020B0604030504040204" pitchFamily="34" charset="-120"/>
               </a:rPr>
-              <a:t>唱和撒那  唱和撒那</a:t>
-            </a:r>
-            <a:endParaRPr lang="en-US" altLang="zh-TW" sz="5400" b="1" dirty="0">
+              <a:t>使我燈發光到主作王</a:t>
+            </a:r>
+            <a:endParaRPr lang="zh-TW" altLang="en-US" sz="6400" b="1" dirty="0">
+              <a:solidFill>
+                <a:srgbClr val="000066"/>
+              </a:solidFill>
               <a:latin typeface="Microsoft JhengHei" panose="020B0604030504040204" pitchFamily="34" charset="-120"/>
               <a:ea typeface="Microsoft JhengHei" panose="020B0604030504040204" pitchFamily="34" charset="-120"/>
             </a:endParaRPr>
           </a:p>
+        </p:txBody>
+      </p:sp>
+    </p:spTree>
+    <p:extLst>
+      <p:ext uri="{BB962C8B-B14F-4D97-AF65-F5344CB8AC3E}">
+        <p14:creationId xmlns:p14="http://schemas.microsoft.com/office/powerpoint/2010/main" val="444808917"/>
+      </p:ext>
+    </p:extLst>
+  </p:cSld>
+  <p:clrMapOvr>
+    <a:masterClrMapping/>
+  </p:clrMapOvr>
+</p:sld>
+</file>
+
+<file path=ppt/slides/slide4.xml><?xml version="1.0" encoding="utf-8"?>
+<p:sld xmlns:a="http://schemas.openxmlformats.org/drawingml/2006/main" xmlns:r="http://schemas.openxmlformats.org/officeDocument/2006/relationships" xmlns:p="http://schemas.openxmlformats.org/presentationml/2006/main">
+  <p:cSld>
+    <p:spTree>
+      <p:nvGrpSpPr>
+        <p:cNvPr id="1" name=""/>
+        <p:cNvGrpSpPr/>
+        <p:nvPr/>
+      </p:nvGrpSpPr>
+      <p:grpSpPr>
+        <a:xfrm>
+          <a:off x="0" y="0"/>
+          <a:ext cx="0" cy="0"/>
+          <a:chOff x="0" y="0"/>
+          <a:chExt cx="0" cy="0"/>
+        </a:xfrm>
+      </p:grpSpPr>
+      <p:sp>
+        <p:nvSpPr>
+          <p:cNvPr id="5" name="內容版面配置區 4"/>
+          <p:cNvSpPr>
+            <a:spLocks noGrp="1"/>
+          </p:cNvSpPr>
+          <p:nvPr>
+            <p:ph idx="1"/>
+          </p:nvPr>
+        </p:nvSpPr>
+        <p:spPr>
+          <a:xfrm>
+            <a:off x="0" y="2084853"/>
+            <a:ext cx="12192000" cy="2404863"/>
+          </a:xfrm>
+        </p:spPr>
+        <p:txBody>
+          <a:bodyPr anchor="ctr">
+            <a:noAutofit/>
+          </a:bodyPr>
+          <a:lstStyle/>
           <a:p>
             <a:pPr algn="ctr">
               <a:buNone/>
             </a:pPr>
             <a:r>
-              <a:rPr lang="zh-TW" altLang="en-US" sz="5400" b="1" dirty="0">
+              <a:rPr lang="zh-TW" altLang="en-US" sz="6400" b="1" dirty="0">
+                <a:solidFill>
+                  <a:srgbClr val="000066"/>
+                </a:solidFill>
                 <a:latin typeface="Microsoft JhengHei" panose="020B0604030504040204" pitchFamily="34" charset="-120"/>
                 <a:ea typeface="Microsoft JhengHei" panose="020B0604030504040204" pitchFamily="34" charset="-120"/>
               </a:rPr>
-              <a:t>唱和撒那賀我王</a:t>
-            </a:r>
+              <a:t>唱和</a:t>
+            </a:r>
+            <a:r>
+              <a:rPr lang="zh-CN" altLang="en-US" sz="6400" b="1" dirty="0">
+                <a:solidFill>
+                  <a:srgbClr val="000066"/>
+                </a:solidFill>
+                <a:latin typeface="Microsoft JhengHei" panose="020B0604030504040204" pitchFamily="34" charset="-120"/>
+                <a:ea typeface="Microsoft JhengHei" panose="020B0604030504040204" pitchFamily="34" charset="-120"/>
+              </a:rPr>
+              <a:t>散</a:t>
+            </a:r>
+            <a:r>
+              <a:rPr lang="zh-TW" altLang="en-US" sz="6400" b="1" dirty="0">
+                <a:solidFill>
+                  <a:srgbClr val="000066"/>
+                </a:solidFill>
+                <a:latin typeface="Microsoft JhengHei" panose="020B0604030504040204" pitchFamily="34" charset="-120"/>
+                <a:ea typeface="Microsoft JhengHei" panose="020B0604030504040204" pitchFamily="34" charset="-120"/>
+              </a:rPr>
+              <a:t>那  唱和</a:t>
+            </a:r>
+            <a:r>
+              <a:rPr lang="zh-CN" altLang="en-US" sz="6400" b="1" dirty="0">
+                <a:solidFill>
+                  <a:srgbClr val="000066"/>
+                </a:solidFill>
+                <a:latin typeface="Microsoft JhengHei" panose="020B0604030504040204" pitchFamily="34" charset="-120"/>
+                <a:ea typeface="Microsoft JhengHei" panose="020B0604030504040204" pitchFamily="34" charset="-120"/>
+              </a:rPr>
+              <a:t>散</a:t>
+            </a:r>
+            <a:r>
+              <a:rPr lang="zh-TW" altLang="en-US" sz="6400" b="1" dirty="0">
+                <a:solidFill>
+                  <a:srgbClr val="000066"/>
+                </a:solidFill>
+                <a:latin typeface="Microsoft JhengHei" panose="020B0604030504040204" pitchFamily="34" charset="-120"/>
+                <a:ea typeface="Microsoft JhengHei" panose="020B0604030504040204" pitchFamily="34" charset="-120"/>
+              </a:rPr>
+              <a:t>那</a:t>
+            </a:r>
+            <a:endParaRPr lang="en-US" altLang="zh-TW" sz="6400" b="1" dirty="0">
+              <a:solidFill>
+                <a:srgbClr val="000066"/>
+              </a:solidFill>
+              <a:latin typeface="Microsoft JhengHei" panose="020B0604030504040204" pitchFamily="34" charset="-120"/>
+              <a:ea typeface="Microsoft JhengHei" panose="020B0604030504040204" pitchFamily="34" charset="-120"/>
+            </a:endParaRPr>
+          </a:p>
+          <a:p>
+            <a:pPr algn="ctr">
+              <a:buNone/>
+            </a:pPr>
+            <a:r>
+              <a:rPr lang="zh-TW" altLang="en-US" sz="6400" b="1" dirty="0">
+                <a:solidFill>
+                  <a:srgbClr val="000066"/>
+                </a:solidFill>
+                <a:latin typeface="Microsoft JhengHei" panose="020B0604030504040204" pitchFamily="34" charset="-120"/>
+                <a:ea typeface="Microsoft JhengHei" panose="020B0604030504040204" pitchFamily="34" charset="-120"/>
+              </a:rPr>
+              <a:t>唱和</a:t>
+            </a:r>
+            <a:r>
+              <a:rPr lang="zh-CN" altLang="en-US" sz="6400" b="1" dirty="0">
+                <a:solidFill>
+                  <a:srgbClr val="000066"/>
+                </a:solidFill>
+                <a:latin typeface="Microsoft JhengHei" panose="020B0604030504040204" pitchFamily="34" charset="-120"/>
+                <a:ea typeface="Microsoft JhengHei" panose="020B0604030504040204" pitchFamily="34" charset="-120"/>
+              </a:rPr>
+              <a:t>散</a:t>
+            </a:r>
+            <a:r>
+              <a:rPr lang="zh-TW" altLang="en-US" sz="6400" b="1" dirty="0">
+                <a:solidFill>
+                  <a:srgbClr val="000066"/>
+                </a:solidFill>
+                <a:latin typeface="Microsoft JhengHei" panose="020B0604030504040204" pitchFamily="34" charset="-120"/>
+                <a:ea typeface="Microsoft JhengHei" panose="020B0604030504040204" pitchFamily="34" charset="-120"/>
+              </a:rPr>
+              <a:t>那  賀萬王之王</a:t>
+            </a:r>
+            <a:endParaRPr lang="en-US" altLang="zh-TW" sz="6400" b="1" dirty="0">
+              <a:solidFill>
+                <a:srgbClr val="000066"/>
+              </a:solidFill>
+              <a:latin typeface="Microsoft JhengHei" panose="020B0604030504040204" pitchFamily="34" charset="-120"/>
+              <a:ea typeface="Microsoft JhengHei" panose="020B0604030504040204" pitchFamily="34" charset="-120"/>
+            </a:endParaRPr>
           </a:p>
         </p:txBody>
       </p:sp>
     </p:spTree>
+    <p:extLst>
+      <p:ext uri="{BB962C8B-B14F-4D97-AF65-F5344CB8AC3E}">
+        <p14:creationId xmlns:p14="http://schemas.microsoft.com/office/powerpoint/2010/main" val="591188993"/>
+      </p:ext>
+    </p:extLst>
+  </p:cSld>
+  <p:clrMapOvr>
+    <a:masterClrMapping/>
+  </p:clrMapOvr>
+</p:sld>
+</file>
+
+<file path=ppt/slides/slide5.xml><?xml version="1.0" encoding="utf-8"?>
+<p:sld xmlns:a="http://schemas.openxmlformats.org/drawingml/2006/main" xmlns:r="http://schemas.openxmlformats.org/officeDocument/2006/relationships" xmlns:p="http://schemas.openxmlformats.org/presentationml/2006/main">
+  <p:cSld>
+    <p:spTree>
+      <p:nvGrpSpPr>
+        <p:cNvPr id="1" name=""/>
+        <p:cNvGrpSpPr/>
+        <p:nvPr/>
+      </p:nvGrpSpPr>
+      <p:grpSpPr>
+        <a:xfrm>
+          <a:off x="0" y="0"/>
+          <a:ext cx="0" cy="0"/>
+          <a:chOff x="0" y="0"/>
+          <a:chExt cx="0" cy="0"/>
+        </a:xfrm>
+      </p:grpSpPr>
+      <p:sp>
+        <p:nvSpPr>
+          <p:cNvPr id="5" name="內容版面配置區 4"/>
+          <p:cNvSpPr>
+            <a:spLocks noGrp="1"/>
+          </p:cNvSpPr>
+          <p:nvPr>
+            <p:ph idx="1"/>
+          </p:nvPr>
+        </p:nvSpPr>
+        <p:spPr>
+          <a:xfrm>
+            <a:off x="0" y="2084853"/>
+            <a:ext cx="12192000" cy="2404863"/>
+          </a:xfrm>
+        </p:spPr>
+        <p:txBody>
+          <a:bodyPr anchor="ctr">
+            <a:noAutofit/>
+          </a:bodyPr>
+          <a:lstStyle/>
+          <a:p>
+            <a:pPr algn="ctr">
+              <a:buNone/>
+            </a:pPr>
+            <a:r>
+              <a:rPr lang="zh-TW" altLang="en-US" sz="6400" b="1" dirty="0">
+                <a:solidFill>
+                  <a:srgbClr val="000066"/>
+                </a:solidFill>
+                <a:latin typeface="Microsoft JhengHei" panose="020B0604030504040204" pitchFamily="34" charset="-120"/>
+                <a:ea typeface="Microsoft JhengHei" panose="020B0604030504040204" pitchFamily="34" charset="-120"/>
+              </a:rPr>
+              <a:t>唱和</a:t>
+            </a:r>
+            <a:r>
+              <a:rPr lang="zh-CN" altLang="en-US" sz="6400" b="1" dirty="0">
+                <a:solidFill>
+                  <a:srgbClr val="000066"/>
+                </a:solidFill>
+                <a:latin typeface="Microsoft JhengHei" panose="020B0604030504040204" pitchFamily="34" charset="-120"/>
+                <a:ea typeface="Microsoft JhengHei" panose="020B0604030504040204" pitchFamily="34" charset="-120"/>
+              </a:rPr>
+              <a:t>散</a:t>
+            </a:r>
+            <a:r>
+              <a:rPr lang="zh-TW" altLang="en-US" sz="6400" b="1" dirty="0">
+                <a:solidFill>
+                  <a:srgbClr val="000066"/>
+                </a:solidFill>
+                <a:latin typeface="Microsoft JhengHei" panose="020B0604030504040204" pitchFamily="34" charset="-120"/>
+                <a:ea typeface="Microsoft JhengHei" panose="020B0604030504040204" pitchFamily="34" charset="-120"/>
+              </a:rPr>
+              <a:t>那  唱和</a:t>
+            </a:r>
+            <a:r>
+              <a:rPr lang="zh-CN" altLang="en-US" sz="6400" b="1" dirty="0">
+                <a:solidFill>
+                  <a:srgbClr val="000066"/>
+                </a:solidFill>
+                <a:latin typeface="Microsoft JhengHei" panose="020B0604030504040204" pitchFamily="34" charset="-120"/>
+                <a:ea typeface="Microsoft JhengHei" panose="020B0604030504040204" pitchFamily="34" charset="-120"/>
+              </a:rPr>
+              <a:t>散</a:t>
+            </a:r>
+            <a:r>
+              <a:rPr lang="zh-TW" altLang="en-US" sz="6400" b="1" dirty="0">
+                <a:solidFill>
+                  <a:srgbClr val="000066"/>
+                </a:solidFill>
+                <a:latin typeface="Microsoft JhengHei" panose="020B0604030504040204" pitchFamily="34" charset="-120"/>
+                <a:ea typeface="Microsoft JhengHei" panose="020B0604030504040204" pitchFamily="34" charset="-120"/>
+              </a:rPr>
+              <a:t>那</a:t>
+            </a:r>
+            <a:endParaRPr lang="en-US" altLang="zh-TW" sz="6400" b="1" dirty="0">
+              <a:solidFill>
+                <a:srgbClr val="000066"/>
+              </a:solidFill>
+              <a:latin typeface="Microsoft JhengHei" panose="020B0604030504040204" pitchFamily="34" charset="-120"/>
+              <a:ea typeface="Microsoft JhengHei" panose="020B0604030504040204" pitchFamily="34" charset="-120"/>
+            </a:endParaRPr>
+          </a:p>
+          <a:p>
+            <a:pPr algn="ctr">
+              <a:buNone/>
+            </a:pPr>
+            <a:r>
+              <a:rPr lang="zh-TW" altLang="en-US" sz="6400" b="1" dirty="0">
+                <a:solidFill>
+                  <a:srgbClr val="000066"/>
+                </a:solidFill>
+                <a:latin typeface="Microsoft JhengHei" panose="020B0604030504040204" pitchFamily="34" charset="-120"/>
+                <a:ea typeface="Microsoft JhengHei" panose="020B0604030504040204" pitchFamily="34" charset="-120"/>
+              </a:rPr>
+              <a:t>唱和</a:t>
+            </a:r>
+            <a:r>
+              <a:rPr lang="zh-CN" altLang="en-US" sz="6400" b="1" dirty="0">
+                <a:solidFill>
+                  <a:srgbClr val="000066"/>
+                </a:solidFill>
+                <a:latin typeface="Microsoft JhengHei" panose="020B0604030504040204" pitchFamily="34" charset="-120"/>
+                <a:ea typeface="Microsoft JhengHei" panose="020B0604030504040204" pitchFamily="34" charset="-120"/>
+              </a:rPr>
+              <a:t>散</a:t>
+            </a:r>
+            <a:r>
+              <a:rPr lang="zh-TW" altLang="en-US" sz="6400" b="1" dirty="0">
+                <a:solidFill>
+                  <a:srgbClr val="000066"/>
+                </a:solidFill>
+                <a:latin typeface="Microsoft JhengHei" panose="020B0604030504040204" pitchFamily="34" charset="-120"/>
+                <a:ea typeface="Microsoft JhengHei" panose="020B0604030504040204" pitchFamily="34" charset="-120"/>
+              </a:rPr>
+              <a:t>那賀我王</a:t>
+            </a:r>
+            <a:endParaRPr lang="zh-TW" altLang="en-US" sz="6400" b="1" dirty="0">
+              <a:solidFill>
+                <a:srgbClr val="000066"/>
+              </a:solidFill>
+              <a:latin typeface="Microsoft JhengHei" panose="020B0604030504040204" pitchFamily="34" charset="-120"/>
+              <a:ea typeface="Microsoft JhengHei" panose="020B0604030504040204" pitchFamily="34" charset="-120"/>
+            </a:endParaRPr>
+          </a:p>
+        </p:txBody>
+      </p:sp>
+    </p:spTree>
+    <p:extLst>
+      <p:ext uri="{BB962C8B-B14F-4D97-AF65-F5344CB8AC3E}">
+        <p14:creationId xmlns:p14="http://schemas.microsoft.com/office/powerpoint/2010/main" val="275291100"/>
+      </p:ext>
+    </p:extLst>
   </p:cSld>
   <p:clrMapOvr>
     <a:masterClrMapping/>

--- a/我的燈需要油.pptx
+++ b/我的燈需要油.pptx
@@ -308,7 +308,7 @@
           <a:p>
             <a:fld id="{54891753-9B25-4CAE-B4DE-BD428012F6BC}" type="datetimeFigureOut">
               <a:rPr lang="zh-TW" altLang="en-US" smtClean="0"/>
-              <a:t>2021/1/29</a:t>
+              <a:t>2023/4/22</a:t>
             </a:fld>
             <a:endParaRPr lang="zh-TW" altLang="en-US"/>
           </a:p>
@@ -478,7 +478,7 @@
           <a:p>
             <a:fld id="{54891753-9B25-4CAE-B4DE-BD428012F6BC}" type="datetimeFigureOut">
               <a:rPr lang="zh-TW" altLang="en-US" smtClean="0"/>
-              <a:t>2021/1/29</a:t>
+              <a:t>2023/4/22</a:t>
             </a:fld>
             <a:endParaRPr lang="zh-TW" altLang="en-US"/>
           </a:p>
@@ -658,7 +658,7 @@
           <a:p>
             <a:fld id="{54891753-9B25-4CAE-B4DE-BD428012F6BC}" type="datetimeFigureOut">
               <a:rPr lang="zh-TW" altLang="en-US" smtClean="0"/>
-              <a:t>2021/1/29</a:t>
+              <a:t>2023/4/22</a:t>
             </a:fld>
             <a:endParaRPr lang="zh-TW" altLang="en-US"/>
           </a:p>
@@ -828,7 +828,7 @@
           <a:p>
             <a:fld id="{54891753-9B25-4CAE-B4DE-BD428012F6BC}" type="datetimeFigureOut">
               <a:rPr lang="zh-TW" altLang="en-US" smtClean="0"/>
-              <a:t>2021/1/29</a:t>
+              <a:t>2023/4/22</a:t>
             </a:fld>
             <a:endParaRPr lang="zh-TW" altLang="en-US"/>
           </a:p>
@@ -1074,7 +1074,7 @@
           <a:p>
             <a:fld id="{54891753-9B25-4CAE-B4DE-BD428012F6BC}" type="datetimeFigureOut">
               <a:rPr lang="zh-TW" altLang="en-US" smtClean="0"/>
-              <a:t>2021/1/29</a:t>
+              <a:t>2023/4/22</a:t>
             </a:fld>
             <a:endParaRPr lang="zh-TW" altLang="en-US"/>
           </a:p>
@@ -1362,7 +1362,7 @@
           <a:p>
             <a:fld id="{54891753-9B25-4CAE-B4DE-BD428012F6BC}" type="datetimeFigureOut">
               <a:rPr lang="zh-TW" altLang="en-US" smtClean="0"/>
-              <a:t>2021/1/29</a:t>
+              <a:t>2023/4/22</a:t>
             </a:fld>
             <a:endParaRPr lang="zh-TW" altLang="en-US"/>
           </a:p>
@@ -1784,7 +1784,7 @@
           <a:p>
             <a:fld id="{54891753-9B25-4CAE-B4DE-BD428012F6BC}" type="datetimeFigureOut">
               <a:rPr lang="zh-TW" altLang="en-US" smtClean="0"/>
-              <a:t>2021/1/29</a:t>
+              <a:t>2023/4/22</a:t>
             </a:fld>
             <a:endParaRPr lang="zh-TW" altLang="en-US"/>
           </a:p>
@@ -1902,7 +1902,7 @@
           <a:p>
             <a:fld id="{54891753-9B25-4CAE-B4DE-BD428012F6BC}" type="datetimeFigureOut">
               <a:rPr lang="zh-TW" altLang="en-US" smtClean="0"/>
-              <a:t>2021/1/29</a:t>
+              <a:t>2023/4/22</a:t>
             </a:fld>
             <a:endParaRPr lang="zh-TW" altLang="en-US"/>
           </a:p>
@@ -1997,7 +1997,7 @@
           <a:p>
             <a:fld id="{54891753-9B25-4CAE-B4DE-BD428012F6BC}" type="datetimeFigureOut">
               <a:rPr lang="zh-TW" altLang="en-US" smtClean="0"/>
-              <a:t>2021/1/29</a:t>
+              <a:t>2023/4/22</a:t>
             </a:fld>
             <a:endParaRPr lang="zh-TW" altLang="en-US"/>
           </a:p>
@@ -2274,7 +2274,7 @@
           <a:p>
             <a:fld id="{54891753-9B25-4CAE-B4DE-BD428012F6BC}" type="datetimeFigureOut">
               <a:rPr lang="zh-TW" altLang="en-US" smtClean="0"/>
-              <a:t>2021/1/29</a:t>
+              <a:t>2023/4/22</a:t>
             </a:fld>
             <a:endParaRPr lang="zh-TW" altLang="en-US"/>
           </a:p>
@@ -2531,7 +2531,7 @@
           <a:p>
             <a:fld id="{54891753-9B25-4CAE-B4DE-BD428012F6BC}" type="datetimeFigureOut">
               <a:rPr lang="zh-TW" altLang="en-US" smtClean="0"/>
-              <a:t>2021/1/29</a:t>
+              <a:t>2023/4/22</a:t>
             </a:fld>
             <a:endParaRPr lang="zh-TW" altLang="en-US"/>
           </a:p>
@@ -2749,7 +2749,7 @@
           <a:p>
             <a:fld id="{54891753-9B25-4CAE-B4DE-BD428012F6BC}" type="datetimeFigureOut">
               <a:rPr lang="zh-TW" altLang="en-US" smtClean="0"/>
-              <a:t>2021/1/29</a:t>
+              <a:t>2023/4/22</a:t>
             </a:fld>
             <a:endParaRPr lang="zh-TW" altLang="en-US"/>
           </a:p>
@@ -3161,24 +3161,7 @@
                 <a:latin typeface="微軟正黑體" pitchFamily="34" charset="-120"/>
                 <a:ea typeface="微軟正黑體" pitchFamily="34" charset="-120"/>
               </a:rPr>
-              <a:t>我</a:t>
-            </a:r>
-            <a:r>
-              <a:rPr lang="zh-TW" altLang="en-US" sz="7200" b="1" i="1" dirty="0">
-                <a:solidFill>
-                  <a:srgbClr val="000066"/>
-                </a:solidFill>
-                <a:effectLst>
-                  <a:outerShdw blurRad="38100" dist="38100" dir="2700000" algn="tl">
-                    <a:srgbClr val="000000">
-                      <a:alpha val="43137"/>
-                    </a:srgbClr>
-                  </a:outerShdw>
-                </a:effectLst>
-                <a:latin typeface="微軟正黑體" pitchFamily="34" charset="-120"/>
-                <a:ea typeface="微軟正黑體" pitchFamily="34" charset="-120"/>
-              </a:rPr>
-              <a:t>的燈需要油</a:t>
+              <a:t>我的燈需要油</a:t>
             </a:r>
           </a:p>
         </p:txBody>
@@ -3280,6 +3263,69 @@
           </a:p>
         </p:txBody>
       </p:sp>
+      <p:sp>
+        <p:nvSpPr>
+          <p:cNvPr id="2" name="TextBox 1"/>
+          <p:cNvSpPr txBox="1"/>
+          <p:nvPr/>
+        </p:nvSpPr>
+        <p:spPr>
+          <a:xfrm>
+            <a:off x="0" y="5234718"/>
+            <a:ext cx="12192000" cy="646331"/>
+          </a:xfrm>
+          <a:prstGeom prst="rect">
+            <a:avLst/>
+          </a:prstGeom>
+          <a:noFill/>
+        </p:spPr>
+        <p:txBody>
+          <a:bodyPr wrap="square" rtlCol="0" anchor="ctr">
+            <a:spAutoFit/>
+          </a:bodyPr>
+          <a:lstStyle/>
+          <a:p>
+            <a:pPr algn="ctr"/>
+            <a:r>
+              <a:rPr lang="en-US" altLang="zh-CN" sz="3600" b="1" dirty="0" smtClean="0">
+                <a:solidFill>
+                  <a:srgbClr val="000066"/>
+                </a:solidFill>
+                <a:latin typeface="Microsoft JhengHei" panose="020B0604030504040204" pitchFamily="34" charset="-120"/>
+                <a:ea typeface="Microsoft JhengHei" panose="020B0604030504040204" pitchFamily="34" charset="-120"/>
+              </a:rPr>
+              <a:t>( </a:t>
+            </a:r>
+            <a:r>
+              <a:rPr lang="zh-CN" altLang="en-US" sz="3600" b="1" dirty="0" smtClean="0">
+                <a:solidFill>
+                  <a:srgbClr val="000066"/>
+                </a:solidFill>
+                <a:latin typeface="Microsoft JhengHei" panose="020B0604030504040204" pitchFamily="34" charset="-120"/>
+                <a:ea typeface="Microsoft JhengHei" panose="020B0604030504040204" pitchFamily="34" charset="-120"/>
+              </a:rPr>
+              <a:t>正 </a:t>
+            </a:r>
+            <a:r>
+              <a:rPr lang="en-US" altLang="zh-CN" sz="3600" b="1" dirty="0" smtClean="0">
+                <a:solidFill>
+                  <a:srgbClr val="000066"/>
+                </a:solidFill>
+                <a:latin typeface="Microsoft JhengHei" panose="020B0604030504040204" pitchFamily="34" charset="-120"/>
+                <a:ea typeface="Microsoft JhengHei" panose="020B0604030504040204" pitchFamily="34" charset="-120"/>
+              </a:rPr>
+              <a:t>)</a:t>
+            </a:r>
+            <a:endParaRPr lang="en-US" sz="3600" b="1" dirty="0">
+              <a:solidFill>
+                <a:srgbClr val="000066"/>
+              </a:solidFill>
+              <a:latin typeface="Microsoft JhengHei" panose="020B0604030504040204" pitchFamily="34" charset="-120"/>
+              <a:ea typeface="Microsoft JhengHei" panose="020B0604030504040204" pitchFamily="34" charset="-120"/>
+            </a:endParaRPr>
+          </a:p>
+        </p:txBody>
+      </p:sp>
     </p:spTree>
     <p:extLst>
       <p:ext uri="{BB962C8B-B14F-4D97-AF65-F5344CB8AC3E}">
@@ -3367,7 +3413,63 @@
               </a:rPr>
               <a:t>使我燈發光到主作王</a:t>
             </a:r>
-            <a:endParaRPr lang="zh-TW" altLang="en-US" sz="6400" b="1" dirty="0">
+          </a:p>
+        </p:txBody>
+      </p:sp>
+      <p:sp>
+        <p:nvSpPr>
+          <p:cNvPr id="3" name="TextBox 2"/>
+          <p:cNvSpPr txBox="1"/>
+          <p:nvPr/>
+        </p:nvSpPr>
+        <p:spPr>
+          <a:xfrm>
+            <a:off x="0" y="5234718"/>
+            <a:ext cx="12192000" cy="646331"/>
+          </a:xfrm>
+          <a:prstGeom prst="rect">
+            <a:avLst/>
+          </a:prstGeom>
+          <a:noFill/>
+        </p:spPr>
+        <p:txBody>
+          <a:bodyPr wrap="square" rtlCol="0" anchor="ctr">
+            <a:spAutoFit/>
+          </a:bodyPr>
+          <a:lstStyle/>
+          <a:p>
+            <a:pPr algn="ctr"/>
+            <a:r>
+              <a:rPr lang="en-US" altLang="zh-CN" sz="3600" b="1" dirty="0" smtClean="0">
+                <a:solidFill>
+                  <a:srgbClr val="000066"/>
+                </a:solidFill>
+                <a:latin typeface="Microsoft JhengHei" panose="020B0604030504040204" pitchFamily="34" charset="-120"/>
+                <a:ea typeface="Microsoft JhengHei" panose="020B0604030504040204" pitchFamily="34" charset="-120"/>
+              </a:rPr>
+              <a:t>( </a:t>
+            </a:r>
+            <a:r>
+              <a:rPr lang="zh-CN" altLang="en-US" sz="3600" b="1" dirty="0" smtClean="0">
+                <a:solidFill>
+                  <a:srgbClr val="000066"/>
+                </a:solidFill>
+                <a:latin typeface="Microsoft JhengHei" panose="020B0604030504040204" pitchFamily="34" charset="-120"/>
+                <a:ea typeface="Microsoft JhengHei" panose="020B0604030504040204" pitchFamily="34" charset="-120"/>
+              </a:rPr>
+              <a:t>正 </a:t>
+            </a:r>
+            <a:r>
+              <a:rPr lang="en-US" altLang="zh-CN" sz="3600" b="1" dirty="0" smtClean="0">
+                <a:solidFill>
+                  <a:srgbClr val="000066"/>
+                </a:solidFill>
+                <a:latin typeface="Microsoft JhengHei" panose="020B0604030504040204" pitchFamily="34" charset="-120"/>
+                <a:ea typeface="Microsoft JhengHei" panose="020B0604030504040204" pitchFamily="34" charset="-120"/>
+              </a:rPr>
+              <a:t>)</a:t>
+            </a:r>
+            <a:endParaRPr lang="en-US" sz="3600" b="1" dirty="0">
               <a:solidFill>
                 <a:srgbClr val="000066"/>
               </a:solidFill>
@@ -3534,6 +3636,69 @@
           </a:p>
         </p:txBody>
       </p:sp>
+      <p:sp>
+        <p:nvSpPr>
+          <p:cNvPr id="3" name="TextBox 2"/>
+          <p:cNvSpPr txBox="1"/>
+          <p:nvPr/>
+        </p:nvSpPr>
+        <p:spPr>
+          <a:xfrm>
+            <a:off x="0" y="5234718"/>
+            <a:ext cx="12192000" cy="646331"/>
+          </a:xfrm>
+          <a:prstGeom prst="rect">
+            <a:avLst/>
+          </a:prstGeom>
+          <a:noFill/>
+        </p:spPr>
+        <p:txBody>
+          <a:bodyPr wrap="square" rtlCol="0" anchor="ctr">
+            <a:spAutoFit/>
+          </a:bodyPr>
+          <a:lstStyle/>
+          <a:p>
+            <a:pPr algn="ctr"/>
+            <a:r>
+              <a:rPr lang="en-US" altLang="zh-CN" sz="3600" b="1" dirty="0" smtClean="0">
+                <a:solidFill>
+                  <a:srgbClr val="000066"/>
+                </a:solidFill>
+                <a:latin typeface="Microsoft JhengHei" panose="020B0604030504040204" pitchFamily="34" charset="-120"/>
+                <a:ea typeface="Microsoft JhengHei" panose="020B0604030504040204" pitchFamily="34" charset="-120"/>
+              </a:rPr>
+              <a:t>( </a:t>
+            </a:r>
+            <a:r>
+              <a:rPr lang="zh-CN" altLang="en-US" sz="3600" b="1" dirty="0" smtClean="0">
+                <a:solidFill>
+                  <a:srgbClr val="000066"/>
+                </a:solidFill>
+                <a:latin typeface="Microsoft JhengHei" panose="020B0604030504040204" pitchFamily="34" charset="-120"/>
+                <a:ea typeface="Microsoft JhengHei" panose="020B0604030504040204" pitchFamily="34" charset="-120"/>
+              </a:rPr>
+              <a:t>副 </a:t>
+            </a:r>
+            <a:r>
+              <a:rPr lang="en-US" altLang="zh-CN" sz="3600" b="1" dirty="0" smtClean="0">
+                <a:solidFill>
+                  <a:srgbClr val="000066"/>
+                </a:solidFill>
+                <a:latin typeface="Microsoft JhengHei" panose="020B0604030504040204" pitchFamily="34" charset="-120"/>
+                <a:ea typeface="Microsoft JhengHei" panose="020B0604030504040204" pitchFamily="34" charset="-120"/>
+              </a:rPr>
+              <a:t>)</a:t>
+            </a:r>
+            <a:endParaRPr lang="en-US" sz="3600" b="1" dirty="0">
+              <a:solidFill>
+                <a:srgbClr val="000066"/>
+              </a:solidFill>
+              <a:latin typeface="Microsoft JhengHei" panose="020B0604030504040204" pitchFamily="34" charset="-120"/>
+              <a:ea typeface="Microsoft JhengHei" panose="020B0604030504040204" pitchFamily="34" charset="-120"/>
+            </a:endParaRPr>
+          </a:p>
+        </p:txBody>
+      </p:sp>
     </p:spTree>
     <p:extLst>
       <p:ext uri="{BB962C8B-B14F-4D97-AF65-F5344CB8AC3E}">
@@ -3681,7 +3846,63 @@
               </a:rPr>
               <a:t>那賀我王</a:t>
             </a:r>
-            <a:endParaRPr lang="zh-TW" altLang="en-US" sz="6400" b="1" dirty="0">
+          </a:p>
+        </p:txBody>
+      </p:sp>
+      <p:sp>
+        <p:nvSpPr>
+          <p:cNvPr id="3" name="TextBox 2"/>
+          <p:cNvSpPr txBox="1"/>
+          <p:nvPr/>
+        </p:nvSpPr>
+        <p:spPr>
+          <a:xfrm>
+            <a:off x="0" y="5234718"/>
+            <a:ext cx="12192000" cy="646331"/>
+          </a:xfrm>
+          <a:prstGeom prst="rect">
+            <a:avLst/>
+          </a:prstGeom>
+          <a:noFill/>
+        </p:spPr>
+        <p:txBody>
+          <a:bodyPr wrap="square" rtlCol="0" anchor="ctr">
+            <a:spAutoFit/>
+          </a:bodyPr>
+          <a:lstStyle/>
+          <a:p>
+            <a:pPr algn="ctr"/>
+            <a:r>
+              <a:rPr lang="en-US" altLang="zh-CN" sz="3600" b="1" dirty="0" smtClean="0">
+                <a:solidFill>
+                  <a:srgbClr val="000066"/>
+                </a:solidFill>
+                <a:latin typeface="Microsoft JhengHei" panose="020B0604030504040204" pitchFamily="34" charset="-120"/>
+                <a:ea typeface="Microsoft JhengHei" panose="020B0604030504040204" pitchFamily="34" charset="-120"/>
+              </a:rPr>
+              <a:t>( </a:t>
+            </a:r>
+            <a:r>
+              <a:rPr lang="zh-CN" altLang="en-US" sz="3600" b="1" dirty="0" smtClean="0">
+                <a:solidFill>
+                  <a:srgbClr val="000066"/>
+                </a:solidFill>
+                <a:latin typeface="Microsoft JhengHei" panose="020B0604030504040204" pitchFamily="34" charset="-120"/>
+                <a:ea typeface="Microsoft JhengHei" panose="020B0604030504040204" pitchFamily="34" charset="-120"/>
+              </a:rPr>
+              <a:t>副 </a:t>
+            </a:r>
+            <a:r>
+              <a:rPr lang="en-US" altLang="zh-CN" sz="3600" b="1" dirty="0" smtClean="0">
+                <a:solidFill>
+                  <a:srgbClr val="000066"/>
+                </a:solidFill>
+                <a:latin typeface="Microsoft JhengHei" panose="020B0604030504040204" pitchFamily="34" charset="-120"/>
+                <a:ea typeface="Microsoft JhengHei" panose="020B0604030504040204" pitchFamily="34" charset="-120"/>
+              </a:rPr>
+              <a:t>)</a:t>
+            </a:r>
+            <a:endParaRPr lang="en-US" sz="3600" b="1" dirty="0">
               <a:solidFill>
                 <a:srgbClr val="000066"/>
               </a:solidFill>
